--- a/media/process.pptx
+++ b/media/process.pptx
@@ -110,7 +110,7 @@
   </p:defaultTextStyle>
   <p:extLst>
     <p:ext uri="{EFAFB233-063F-42B5-8137-9DF3F51BA10A}">
-      <p15:sldGuideLst xmlns="" xmlns:p15="http://schemas.microsoft.com/office/powerpoint/2012/main">
+      <p15:sldGuideLst xmlns:p15="http://schemas.microsoft.com/office/powerpoint/2012/main" xmlns="">
         <p15:guide id="1" orient="horz" pos="839">
           <p15:clr>
             <a:srgbClr val="A4A3A4"/>
@@ -1868,15 +1868,15 @@
     </dgm:pt>
   </dgm:ptLst>
   <dgm:cxnLst>
+    <dgm:cxn modelId="{1A40BBB3-AC8F-42BD-81A4-E7FF69E24564}" type="presOf" srcId="{09F6A35B-5D5C-4AEE-B2DF-B5B910646C5D}" destId="{1A0BED00-428A-4143-A6E6-7058B43EE6E3}" srcOrd="0" destOrd="0" presId="urn:microsoft.com/office/officeart/2005/8/layout/chevron1"/>
+    <dgm:cxn modelId="{AB4BEC97-3780-40AB-8D35-30AD4EBADA00}" type="presOf" srcId="{A5B2C75E-273A-4404-BE80-6201C68C9EDB}" destId="{01FCF690-3A52-4BF2-9135-B54D20ED08E1}" srcOrd="0" destOrd="0" presId="urn:microsoft.com/office/officeart/2005/8/layout/chevron1"/>
+    <dgm:cxn modelId="{3A16B6F7-BB61-44D8-BADF-D8BDE07A7493}" type="presOf" srcId="{FF8ADAA4-FAFF-4095-AF09-16995FC20993}" destId="{2B535912-FFB7-4908-8C3B-3E30209641D3}" srcOrd="0" destOrd="0" presId="urn:microsoft.com/office/officeart/2005/8/layout/chevron1"/>
     <dgm:cxn modelId="{A5F5C934-DB7C-401A-B7C4-D0BBBBDCAB05}" srcId="{0EB6BE91-E96C-4587-B286-5EF2C7262826}" destId="{9C19C811-9BAF-49AF-A7B4-B56464797309}" srcOrd="3" destOrd="0" parTransId="{BBFCCA45-F604-4DF1-A413-2C69CA913D11}" sibTransId="{395CEBE7-01B9-450E-B8AC-7192742DEEE6}"/>
-    <dgm:cxn modelId="{3A16B6F7-BB61-44D8-BADF-D8BDE07A7493}" type="presOf" srcId="{FF8ADAA4-FAFF-4095-AF09-16995FC20993}" destId="{2B535912-FFB7-4908-8C3B-3E30209641D3}" srcOrd="0" destOrd="0" presId="urn:microsoft.com/office/officeart/2005/8/layout/chevron1"/>
     <dgm:cxn modelId="{581E5E19-74DD-4BD4-9E91-C936A92B7D07}" srcId="{0EB6BE91-E96C-4587-B286-5EF2C7262826}" destId="{A5B2C75E-273A-4404-BE80-6201C68C9EDB}" srcOrd="2" destOrd="0" parTransId="{9C1B37AE-8899-425A-9733-080D2E6FF2E6}" sibTransId="{0478BD90-2D3C-4CB6-B8EC-15F6D84F2E91}"/>
-    <dgm:cxn modelId="{AB4BEC97-3780-40AB-8D35-30AD4EBADA00}" type="presOf" srcId="{A5B2C75E-273A-4404-BE80-6201C68C9EDB}" destId="{01FCF690-3A52-4BF2-9135-B54D20ED08E1}" srcOrd="0" destOrd="0" presId="urn:microsoft.com/office/officeart/2005/8/layout/chevron1"/>
     <dgm:cxn modelId="{483F93A7-939A-4C27-8A83-B958F2282C18}" type="presOf" srcId="{9C19C811-9BAF-49AF-A7B4-B56464797309}" destId="{7F96DE0C-776B-46C2-A315-02E73B1ABF81}" srcOrd="0" destOrd="0" presId="urn:microsoft.com/office/officeart/2005/8/layout/chevron1"/>
-    <dgm:cxn modelId="{1A40BBB3-AC8F-42BD-81A4-E7FF69E24564}" type="presOf" srcId="{09F6A35B-5D5C-4AEE-B2DF-B5B910646C5D}" destId="{1A0BED00-428A-4143-A6E6-7058B43EE6E3}" srcOrd="0" destOrd="0" presId="urn:microsoft.com/office/officeart/2005/8/layout/chevron1"/>
     <dgm:cxn modelId="{C978F6E0-33DC-4BF5-B0FA-738B3B674938}" srcId="{0EB6BE91-E96C-4587-B286-5EF2C7262826}" destId="{FF8ADAA4-FAFF-4095-AF09-16995FC20993}" srcOrd="0" destOrd="0" parTransId="{1A273BF8-4C09-4D0B-AA7C-98C7B5C24182}" sibTransId="{ABBA3832-E26D-4EE6-861B-1A3D690B764A}"/>
+    <dgm:cxn modelId="{7A5B3EA0-554E-4790-8F68-8B6183D8A9D1}" srcId="{0EB6BE91-E96C-4587-B286-5EF2C7262826}" destId="{09F6A35B-5D5C-4AEE-B2DF-B5B910646C5D}" srcOrd="1" destOrd="0" parTransId="{A4135FA8-EB46-4822-9E73-F70DD89BD922}" sibTransId="{A9D07AFB-BB37-435B-A8DC-79DB8CBDEAC4}"/>
     <dgm:cxn modelId="{01BDA30A-8347-4F6F-93C5-ACA030286D4A}" type="presOf" srcId="{0EB6BE91-E96C-4587-B286-5EF2C7262826}" destId="{40F79579-AB6F-4F17-958C-F0D3416B4228}" srcOrd="0" destOrd="0" presId="urn:microsoft.com/office/officeart/2005/8/layout/chevron1"/>
-    <dgm:cxn modelId="{7A5B3EA0-554E-4790-8F68-8B6183D8A9D1}" srcId="{0EB6BE91-E96C-4587-B286-5EF2C7262826}" destId="{09F6A35B-5D5C-4AEE-B2DF-B5B910646C5D}" srcOrd="1" destOrd="0" parTransId="{A4135FA8-EB46-4822-9E73-F70DD89BD922}" sibTransId="{A9D07AFB-BB37-435B-A8DC-79DB8CBDEAC4}"/>
     <dgm:cxn modelId="{519C0A02-3614-4158-BC0C-978E765BDEF5}" type="presParOf" srcId="{40F79579-AB6F-4F17-958C-F0D3416B4228}" destId="{2B535912-FFB7-4908-8C3B-3E30209641D3}" srcOrd="0" destOrd="0" presId="urn:microsoft.com/office/officeart/2005/8/layout/chevron1"/>
     <dgm:cxn modelId="{799A3F32-C530-4E2B-A91F-2853235997DC}" type="presParOf" srcId="{40F79579-AB6F-4F17-958C-F0D3416B4228}" destId="{C73F4BF3-7799-44F7-8781-176942C4589B}" srcOrd="1" destOrd="0" presId="urn:microsoft.com/office/officeart/2005/8/layout/chevron1"/>
     <dgm:cxn modelId="{F88F928E-2E3F-4845-B072-9B22B1579570}" type="presParOf" srcId="{40F79579-AB6F-4F17-958C-F0D3416B4228}" destId="{1A0BED00-428A-4143-A6E6-7058B43EE6E3}" srcOrd="2" destOrd="0" presId="urn:microsoft.com/office/officeart/2005/8/layout/chevron1"/>
@@ -1889,7 +1889,7 @@
   <dgm:whole/>
   <dgm:extLst>
     <a:ext uri="http://schemas.microsoft.com/office/drawing/2008/diagram">
-      <dsp:dataModelExt xmlns:dsp="http://schemas.microsoft.com/office/drawing/2008/diagram" xmlns="" relId="rId7" minVer="http://schemas.openxmlformats.org/drawingml/2006/diagram"/>
+      <dsp:dataModelExt xmlns:dsp="http://schemas.microsoft.com/office/drawing/2008/diagram" relId="rId7" minVer="http://schemas.openxmlformats.org/drawingml/2006/diagram"/>
     </a:ext>
   </dgm:extLst>
 </dgm:dataModel>
@@ -2143,14 +2143,14 @@
   </dgm:ptLst>
   <dgm:cxnLst>
     <dgm:cxn modelId="{54F6DCAE-619D-42BE-B359-6891D91846B4}" srcId="{0EB6BE91-E96C-4587-B286-5EF2C7262826}" destId="{EEC9F6EC-8789-4FD2-AFDB-B5D63A1CC8D1}" srcOrd="3" destOrd="0" parTransId="{79854CB4-F935-4D6E-B728-486399EE6BDB}" sibTransId="{20B5F3EB-8661-4D60-93D7-73B5B19D977C}"/>
+    <dgm:cxn modelId="{0EBE4204-F5CD-4033-AC2D-B60BB29C3F50}" type="presOf" srcId="{A5B2C75E-273A-4404-BE80-6201C68C9EDB}" destId="{01FCF690-3A52-4BF2-9135-B54D20ED08E1}" srcOrd="0" destOrd="0" presId="urn:microsoft.com/office/officeart/2005/8/layout/chevron1"/>
+    <dgm:cxn modelId="{645C62F6-B80A-4127-A667-DA7D6EC0C84A}" type="presOf" srcId="{EEC9F6EC-8789-4FD2-AFDB-B5D63A1CC8D1}" destId="{4B65C82B-1FAF-4964-93C3-3E28BC03D6B9}" srcOrd="0" destOrd="0" presId="urn:microsoft.com/office/officeart/2005/8/layout/chevron1"/>
+    <dgm:cxn modelId="{C978F6E0-33DC-4BF5-B0FA-738B3B674938}" srcId="{0EB6BE91-E96C-4587-B286-5EF2C7262826}" destId="{FF8ADAA4-FAFF-4095-AF09-16995FC20993}" srcOrd="0" destOrd="0" parTransId="{1A273BF8-4C09-4D0B-AA7C-98C7B5C24182}" sibTransId="{ABBA3832-E26D-4EE6-861B-1A3D690B764A}"/>
+    <dgm:cxn modelId="{7A5B3EA0-554E-4790-8F68-8B6183D8A9D1}" srcId="{0EB6BE91-E96C-4587-B286-5EF2C7262826}" destId="{09F6A35B-5D5C-4AEE-B2DF-B5B910646C5D}" srcOrd="1" destOrd="0" parTransId="{A4135FA8-EB46-4822-9E73-F70DD89BD922}" sibTransId="{A9D07AFB-BB37-435B-A8DC-79DB8CBDEAC4}"/>
     <dgm:cxn modelId="{581E5E19-74DD-4BD4-9E91-C936A92B7D07}" srcId="{0EB6BE91-E96C-4587-B286-5EF2C7262826}" destId="{A5B2C75E-273A-4404-BE80-6201C68C9EDB}" srcOrd="2" destOrd="0" parTransId="{9C1B37AE-8899-425A-9733-080D2E6FF2E6}" sibTransId="{0478BD90-2D3C-4CB6-B8EC-15F6D84F2E91}"/>
-    <dgm:cxn modelId="{0EBE4204-F5CD-4033-AC2D-B60BB29C3F50}" type="presOf" srcId="{A5B2C75E-273A-4404-BE80-6201C68C9EDB}" destId="{01FCF690-3A52-4BF2-9135-B54D20ED08E1}" srcOrd="0" destOrd="0" presId="urn:microsoft.com/office/officeart/2005/8/layout/chevron1"/>
+    <dgm:cxn modelId="{8ABD9DDB-7661-4F63-9289-B8C427EF698D}" type="presOf" srcId="{0EB6BE91-E96C-4587-B286-5EF2C7262826}" destId="{40F79579-AB6F-4F17-958C-F0D3416B4228}" srcOrd="0" destOrd="0" presId="urn:microsoft.com/office/officeart/2005/8/layout/chevron1"/>
+    <dgm:cxn modelId="{1CDC1B4C-33A3-47F4-8423-5B84EB50D3FD}" type="presOf" srcId="{FF8ADAA4-FAFF-4095-AF09-16995FC20993}" destId="{2B535912-FFB7-4908-8C3B-3E30209641D3}" srcOrd="0" destOrd="0" presId="urn:microsoft.com/office/officeart/2005/8/layout/chevron1"/>
     <dgm:cxn modelId="{4BCF09DB-40CA-47AD-A6A2-F51631F1067F}" type="presOf" srcId="{09F6A35B-5D5C-4AEE-B2DF-B5B910646C5D}" destId="{1A0BED00-428A-4143-A6E6-7058B43EE6E3}" srcOrd="0" destOrd="0" presId="urn:microsoft.com/office/officeart/2005/8/layout/chevron1"/>
-    <dgm:cxn modelId="{C978F6E0-33DC-4BF5-B0FA-738B3B674938}" srcId="{0EB6BE91-E96C-4587-B286-5EF2C7262826}" destId="{FF8ADAA4-FAFF-4095-AF09-16995FC20993}" srcOrd="0" destOrd="0" parTransId="{1A273BF8-4C09-4D0B-AA7C-98C7B5C24182}" sibTransId="{ABBA3832-E26D-4EE6-861B-1A3D690B764A}"/>
-    <dgm:cxn modelId="{1CDC1B4C-33A3-47F4-8423-5B84EB50D3FD}" type="presOf" srcId="{FF8ADAA4-FAFF-4095-AF09-16995FC20993}" destId="{2B535912-FFB7-4908-8C3B-3E30209641D3}" srcOrd="0" destOrd="0" presId="urn:microsoft.com/office/officeart/2005/8/layout/chevron1"/>
-    <dgm:cxn modelId="{645C62F6-B80A-4127-A667-DA7D6EC0C84A}" type="presOf" srcId="{EEC9F6EC-8789-4FD2-AFDB-B5D63A1CC8D1}" destId="{4B65C82B-1FAF-4964-93C3-3E28BC03D6B9}" srcOrd="0" destOrd="0" presId="urn:microsoft.com/office/officeart/2005/8/layout/chevron1"/>
-    <dgm:cxn modelId="{7A5B3EA0-554E-4790-8F68-8B6183D8A9D1}" srcId="{0EB6BE91-E96C-4587-B286-5EF2C7262826}" destId="{09F6A35B-5D5C-4AEE-B2DF-B5B910646C5D}" srcOrd="1" destOrd="0" parTransId="{A4135FA8-EB46-4822-9E73-F70DD89BD922}" sibTransId="{A9D07AFB-BB37-435B-A8DC-79DB8CBDEAC4}"/>
-    <dgm:cxn modelId="{8ABD9DDB-7661-4F63-9289-B8C427EF698D}" type="presOf" srcId="{0EB6BE91-E96C-4587-B286-5EF2C7262826}" destId="{40F79579-AB6F-4F17-958C-F0D3416B4228}" srcOrd="0" destOrd="0" presId="urn:microsoft.com/office/officeart/2005/8/layout/chevron1"/>
     <dgm:cxn modelId="{6AFB5EFE-DC13-4E11-A1AF-50A0DD8FDE7B}" type="presParOf" srcId="{40F79579-AB6F-4F17-958C-F0D3416B4228}" destId="{2B535912-FFB7-4908-8C3B-3E30209641D3}" srcOrd="0" destOrd="0" presId="urn:microsoft.com/office/officeart/2005/8/layout/chevron1"/>
     <dgm:cxn modelId="{790F8F85-E06D-4E75-8E66-D76F28624DCB}" type="presParOf" srcId="{40F79579-AB6F-4F17-958C-F0D3416B4228}" destId="{C73F4BF3-7799-44F7-8781-176942C4589B}" srcOrd="1" destOrd="0" presId="urn:microsoft.com/office/officeart/2005/8/layout/chevron1"/>
     <dgm:cxn modelId="{CFCBD135-6FD6-4D1A-8F67-184954FF76E5}" type="presParOf" srcId="{40F79579-AB6F-4F17-958C-F0D3416B4228}" destId="{1A0BED00-428A-4143-A6E6-7058B43EE6E3}" srcOrd="2" destOrd="0" presId="urn:microsoft.com/office/officeart/2005/8/layout/chevron1"/>
@@ -2163,14 +2163,14 @@
   <dgm:whole/>
   <dgm:extLst>
     <a:ext uri="http://schemas.microsoft.com/office/drawing/2008/diagram">
-      <dsp:dataModelExt xmlns:dsp="http://schemas.microsoft.com/office/drawing/2008/diagram" xmlns="" relId="rId7" minVer="http://schemas.openxmlformats.org/drawingml/2006/diagram"/>
+      <dsp:dataModelExt xmlns:dsp="http://schemas.microsoft.com/office/drawing/2008/diagram" relId="rId7" minVer="http://schemas.openxmlformats.org/drawingml/2006/diagram"/>
     </a:ext>
   </dgm:extLst>
 </dgm:dataModel>
 </file>
 
 <file path=ppt/diagrams/drawing1.xml><?xml version="1.0" encoding="utf-8"?>
-<dsp:drawing xmlns:dgm="http://schemas.openxmlformats.org/drawingml/2006/diagram" xmlns:a="http://schemas.openxmlformats.org/drawingml/2006/main" xmlns:dsp="http://schemas.microsoft.com/office/drawing/2008/diagram">
+<dsp:drawing xmlns:dgm="http://schemas.openxmlformats.org/drawingml/2006/diagram" xmlns:dsp="http://schemas.microsoft.com/office/drawing/2008/diagram" xmlns:a="http://schemas.openxmlformats.org/drawingml/2006/main">
   <dsp:spTree>
     <dsp:nvGrpSpPr>
       <dsp:cNvPr id="0" name=""/>
@@ -2185,7 +2185,7 @@
       <dsp:spPr>
         <a:xfrm>
           <a:off x="2538" y="0"/>
-          <a:ext cx="1477610" cy="288001"/>
+          <a:ext cx="1477610" cy="288000"/>
         </a:xfrm>
         <a:prstGeom prst="chevron">
           <a:avLst/>
@@ -2250,8 +2250,8 @@
         </a:p>
       </dsp:txBody>
       <dsp:txXfrm>
-        <a:off x="2538" y="0"/>
-        <a:ext cx="1477610" cy="288001"/>
+        <a:off x="146538" y="0"/>
+        <a:ext cx="1189610" cy="288000"/>
       </dsp:txXfrm>
     </dsp:sp>
     <dsp:sp modelId="{1A0BED00-428A-4143-A6E6-7058B43EE6E3}">
@@ -2262,7 +2262,7 @@
       <dsp:spPr>
         <a:xfrm>
           <a:off x="1332388" y="0"/>
-          <a:ext cx="1477610" cy="288001"/>
+          <a:ext cx="1477610" cy="288000"/>
         </a:xfrm>
         <a:prstGeom prst="chevron">
           <a:avLst/>
@@ -2327,8 +2327,8 @@
         </a:p>
       </dsp:txBody>
       <dsp:txXfrm>
-        <a:off x="1332388" y="0"/>
-        <a:ext cx="1477610" cy="288001"/>
+        <a:off x="1476388" y="0"/>
+        <a:ext cx="1189610" cy="288000"/>
       </dsp:txXfrm>
     </dsp:sp>
     <dsp:sp modelId="{01FCF690-3A52-4BF2-9135-B54D20ED08E1}">
@@ -2339,7 +2339,7 @@
       <dsp:spPr>
         <a:xfrm>
           <a:off x="2662237" y="0"/>
-          <a:ext cx="1477610" cy="288001"/>
+          <a:ext cx="1477610" cy="288000"/>
         </a:xfrm>
         <a:prstGeom prst="chevron">
           <a:avLst/>
@@ -2404,8 +2404,8 @@
         </a:p>
       </dsp:txBody>
       <dsp:txXfrm>
-        <a:off x="2662237" y="0"/>
-        <a:ext cx="1477610" cy="288001"/>
+        <a:off x="2806237" y="0"/>
+        <a:ext cx="1189610" cy="288000"/>
       </dsp:txXfrm>
     </dsp:sp>
     <dsp:sp modelId="{7F96DE0C-776B-46C2-A315-02E73B1ABF81}">
@@ -2416,7 +2416,7 @@
       <dsp:spPr>
         <a:xfrm>
           <a:off x="3992087" y="0"/>
-          <a:ext cx="1477610" cy="288001"/>
+          <a:ext cx="1477610" cy="288000"/>
         </a:xfrm>
         <a:prstGeom prst="chevron">
           <a:avLst/>
@@ -2481,8 +2481,8 @@
         </a:p>
       </dsp:txBody>
       <dsp:txXfrm>
-        <a:off x="3992087" y="0"/>
-        <a:ext cx="1477610" cy="288001"/>
+        <a:off x="4136087" y="0"/>
+        <a:ext cx="1189610" cy="288000"/>
       </dsp:txXfrm>
     </dsp:sp>
   </dsp:spTree>
@@ -2490,7 +2490,7 @@
 </file>
 
 <file path=ppt/diagrams/drawing2.xml><?xml version="1.0" encoding="utf-8"?>
-<dsp:drawing xmlns:dgm="http://schemas.openxmlformats.org/drawingml/2006/diagram" xmlns:a="http://schemas.openxmlformats.org/drawingml/2006/main" xmlns:dsp="http://schemas.microsoft.com/office/drawing/2008/diagram">
+<dsp:drawing xmlns:dgm="http://schemas.openxmlformats.org/drawingml/2006/diagram" xmlns:dsp="http://schemas.microsoft.com/office/drawing/2008/diagram" xmlns:a="http://schemas.openxmlformats.org/drawingml/2006/main">
   <dsp:spTree>
     <dsp:nvGrpSpPr>
       <dsp:cNvPr id="0" name=""/>
@@ -2570,8 +2570,8 @@
         </a:p>
       </dsp:txBody>
       <dsp:txXfrm>
-        <a:off x="2626" y="0"/>
-        <a:ext cx="1529188" cy="288001"/>
+        <a:off x="146627" y="0"/>
+        <a:ext cx="1241187" cy="288001"/>
       </dsp:txXfrm>
     </dsp:sp>
     <dsp:sp modelId="{1A0BED00-428A-4143-A6E6-7058B43EE6E3}">
@@ -2647,8 +2647,8 @@
         </a:p>
       </dsp:txBody>
       <dsp:txXfrm>
-        <a:off x="1378897" y="0"/>
-        <a:ext cx="1529188" cy="288001"/>
+        <a:off x="1522898" y="0"/>
+        <a:ext cx="1241187" cy="288001"/>
       </dsp:txXfrm>
     </dsp:sp>
     <dsp:sp modelId="{01FCF690-3A52-4BF2-9135-B54D20ED08E1}">
@@ -2724,8 +2724,8 @@
         </a:p>
       </dsp:txBody>
       <dsp:txXfrm>
-        <a:off x="2755167" y="0"/>
-        <a:ext cx="1529188" cy="288001"/>
+        <a:off x="2899168" y="0"/>
+        <a:ext cx="1241187" cy="288001"/>
       </dsp:txXfrm>
     </dsp:sp>
     <dsp:sp modelId="{4B65C82B-1FAF-4964-93C3-3E28BC03D6B9}">
@@ -2801,8 +2801,8 @@
         </a:p>
       </dsp:txBody>
       <dsp:txXfrm>
-        <a:off x="4131437" y="0"/>
-        <a:ext cx="1529188" cy="288001"/>
+        <a:off x="4275438" y="0"/>
+        <a:ext cx="1241187" cy="288001"/>
       </dsp:txXfrm>
     </dsp:sp>
   </dsp:spTree>
@@ -5526,7 +5526,7 @@
             <a:fld id="{F4B90EF7-BB12-4174-8E78-3050A209DE8F}" type="datetimeFigureOut">
               <a:rPr lang="de-DE" smtClean="0"/>
               <a:pPr/>
-              <a:t>03.07.2017</a:t>
+              <a:t>09.11.2017</a:t>
             </a:fld>
             <a:endParaRPr lang="de-DE"/>
           </a:p>
@@ -5688,13 +5688,18 @@
             <a:fld id="{FD4F6F16-A4A9-48CB-84F1-DC17FD0163F2}" type="slidenum">
               <a:rPr lang="de-DE" smtClean="0"/>
               <a:pPr/>
-              <a:t>‹Nr.›</a:t>
+              <a:t>‹#›</a:t>
             </a:fld>
             <a:endParaRPr lang="de-DE"/>
           </a:p>
         </p:txBody>
       </p:sp>
     </p:spTree>
+    <p:extLst>
+      <p:ext uri="{BB962C8B-B14F-4D97-AF65-F5344CB8AC3E}">
+        <p14:creationId xmlns:p14="http://schemas.microsoft.com/office/powerpoint/2010/main" val="2314777216"/>
+      </p:ext>
+    </p:extLst>
   </p:cSld>
   <p:clrMap bg1="lt1" tx1="dk1" bg2="lt2" tx2="dk2" accent1="accent1" accent2="accent2" accent3="accent3" accent4="accent4" accent5="accent5" accent6="accent6" hlink="hlink" folHlink="folHlink"/>
   <p:notesStyle>
@@ -6138,7 +6143,7 @@
             <a:fld id="{386DBA8E-C001-4E68-8804-59F1C445E801}" type="datetimeFigureOut">
               <a:rPr lang="en-US" smtClean="0"/>
               <a:pPr/>
-              <a:t>7/3/2017</a:t>
+              <a:t>11/9/2017</a:t>
             </a:fld>
             <a:endParaRPr lang="en-US"/>
           </a:p>
@@ -6181,7 +6186,7 @@
             <a:fld id="{A746E901-D716-41C0-9E0F-C60D13567B4A}" type="slidenum">
               <a:rPr lang="en-US" smtClean="0"/>
               <a:pPr/>
-              <a:t>‹Nr.›</a:t>
+              <a:t>‹#›</a:t>
             </a:fld>
             <a:endParaRPr lang="en-US"/>
           </a:p>
@@ -6190,7 +6195,7 @@
     </p:spTree>
     <p:extLst>
       <p:ext uri="{BB962C8B-B14F-4D97-AF65-F5344CB8AC3E}">
-        <p14:creationId xmlns:p14="http://schemas.microsoft.com/office/powerpoint/2010/main" xmlns="" val="2863952165"/>
+        <p14:creationId xmlns:p14="http://schemas.microsoft.com/office/powerpoint/2010/main" val="2863952165"/>
       </p:ext>
     </p:extLst>
   </p:cSld>
@@ -6310,7 +6315,7 @@
             <a:fld id="{386DBA8E-C001-4E68-8804-59F1C445E801}" type="datetimeFigureOut">
               <a:rPr lang="en-US" smtClean="0"/>
               <a:pPr/>
-              <a:t>7/3/2017</a:t>
+              <a:t>11/9/2017</a:t>
             </a:fld>
             <a:endParaRPr lang="en-US"/>
           </a:p>
@@ -6353,7 +6358,7 @@
             <a:fld id="{A746E901-D716-41C0-9E0F-C60D13567B4A}" type="slidenum">
               <a:rPr lang="en-US" smtClean="0"/>
               <a:pPr/>
-              <a:t>‹Nr.›</a:t>
+              <a:t>‹#›</a:t>
             </a:fld>
             <a:endParaRPr lang="en-US"/>
           </a:p>
@@ -6362,7 +6367,7 @@
     </p:spTree>
     <p:extLst>
       <p:ext uri="{BB962C8B-B14F-4D97-AF65-F5344CB8AC3E}">
-        <p14:creationId xmlns:p14="http://schemas.microsoft.com/office/powerpoint/2010/main" xmlns="" val="2133585190"/>
+        <p14:creationId xmlns:p14="http://schemas.microsoft.com/office/powerpoint/2010/main" val="2133585190"/>
       </p:ext>
     </p:extLst>
   </p:cSld>
@@ -6492,7 +6497,7 @@
             <a:fld id="{386DBA8E-C001-4E68-8804-59F1C445E801}" type="datetimeFigureOut">
               <a:rPr lang="en-US" smtClean="0"/>
               <a:pPr/>
-              <a:t>7/3/2017</a:t>
+              <a:t>11/9/2017</a:t>
             </a:fld>
             <a:endParaRPr lang="en-US"/>
           </a:p>
@@ -6535,7 +6540,7 @@
             <a:fld id="{A746E901-D716-41C0-9E0F-C60D13567B4A}" type="slidenum">
               <a:rPr lang="en-US" smtClean="0"/>
               <a:pPr/>
-              <a:t>‹Nr.›</a:t>
+              <a:t>‹#›</a:t>
             </a:fld>
             <a:endParaRPr lang="en-US"/>
           </a:p>
@@ -6544,7 +6549,7 @@
     </p:spTree>
     <p:extLst>
       <p:ext uri="{BB962C8B-B14F-4D97-AF65-F5344CB8AC3E}">
-        <p14:creationId xmlns:p14="http://schemas.microsoft.com/office/powerpoint/2010/main" xmlns="" val="1606662952"/>
+        <p14:creationId xmlns:p14="http://schemas.microsoft.com/office/powerpoint/2010/main" val="1606662952"/>
       </p:ext>
     </p:extLst>
   </p:cSld>
@@ -6664,7 +6669,7 @@
             <a:fld id="{386DBA8E-C001-4E68-8804-59F1C445E801}" type="datetimeFigureOut">
               <a:rPr lang="en-US" smtClean="0"/>
               <a:pPr/>
-              <a:t>7/3/2017</a:t>
+              <a:t>11/9/2017</a:t>
             </a:fld>
             <a:endParaRPr lang="en-US"/>
           </a:p>
@@ -6707,7 +6712,7 @@
             <a:fld id="{A746E901-D716-41C0-9E0F-C60D13567B4A}" type="slidenum">
               <a:rPr lang="en-US" smtClean="0"/>
               <a:pPr/>
-              <a:t>‹Nr.›</a:t>
+              <a:t>‹#›</a:t>
             </a:fld>
             <a:endParaRPr lang="en-US"/>
           </a:p>
@@ -6716,7 +6721,7 @@
     </p:spTree>
     <p:extLst>
       <p:ext uri="{BB962C8B-B14F-4D97-AF65-F5344CB8AC3E}">
-        <p14:creationId xmlns:p14="http://schemas.microsoft.com/office/powerpoint/2010/main" xmlns="" val="2705505806"/>
+        <p14:creationId xmlns:p14="http://schemas.microsoft.com/office/powerpoint/2010/main" val="2705505806"/>
       </p:ext>
     </p:extLst>
   </p:cSld>
@@ -6912,7 +6917,7 @@
             <a:fld id="{386DBA8E-C001-4E68-8804-59F1C445E801}" type="datetimeFigureOut">
               <a:rPr lang="en-US" smtClean="0"/>
               <a:pPr/>
-              <a:t>7/3/2017</a:t>
+              <a:t>11/9/2017</a:t>
             </a:fld>
             <a:endParaRPr lang="en-US"/>
           </a:p>
@@ -6955,7 +6960,7 @@
             <a:fld id="{A746E901-D716-41C0-9E0F-C60D13567B4A}" type="slidenum">
               <a:rPr lang="en-US" smtClean="0"/>
               <a:pPr/>
-              <a:t>‹Nr.›</a:t>
+              <a:t>‹#›</a:t>
             </a:fld>
             <a:endParaRPr lang="en-US"/>
           </a:p>
@@ -6964,7 +6969,7 @@
     </p:spTree>
     <p:extLst>
       <p:ext uri="{BB962C8B-B14F-4D97-AF65-F5344CB8AC3E}">
-        <p14:creationId xmlns:p14="http://schemas.microsoft.com/office/powerpoint/2010/main" xmlns="" val="238253875"/>
+        <p14:creationId xmlns:p14="http://schemas.microsoft.com/office/powerpoint/2010/main" val="238253875"/>
       </p:ext>
     </p:extLst>
   </p:cSld>
@@ -7202,7 +7207,7 @@
             <a:fld id="{386DBA8E-C001-4E68-8804-59F1C445E801}" type="datetimeFigureOut">
               <a:rPr lang="en-US" smtClean="0"/>
               <a:pPr/>
-              <a:t>7/3/2017</a:t>
+              <a:t>11/9/2017</a:t>
             </a:fld>
             <a:endParaRPr lang="en-US"/>
           </a:p>
@@ -7245,7 +7250,7 @@
             <a:fld id="{A746E901-D716-41C0-9E0F-C60D13567B4A}" type="slidenum">
               <a:rPr lang="en-US" smtClean="0"/>
               <a:pPr/>
-              <a:t>‹Nr.›</a:t>
+              <a:t>‹#›</a:t>
             </a:fld>
             <a:endParaRPr lang="en-US"/>
           </a:p>
@@ -7254,7 +7259,7 @@
     </p:spTree>
     <p:extLst>
       <p:ext uri="{BB962C8B-B14F-4D97-AF65-F5344CB8AC3E}">
-        <p14:creationId xmlns:p14="http://schemas.microsoft.com/office/powerpoint/2010/main" xmlns="" val="3259131391"/>
+        <p14:creationId xmlns:p14="http://schemas.microsoft.com/office/powerpoint/2010/main" val="3259131391"/>
       </p:ext>
     </p:extLst>
   </p:cSld>
@@ -7631,7 +7636,7 @@
             <a:fld id="{386DBA8E-C001-4E68-8804-59F1C445E801}" type="datetimeFigureOut">
               <a:rPr lang="en-US" smtClean="0"/>
               <a:pPr/>
-              <a:t>7/3/2017</a:t>
+              <a:t>11/9/2017</a:t>
             </a:fld>
             <a:endParaRPr lang="en-US"/>
           </a:p>
@@ -7674,7 +7679,7 @@
             <a:fld id="{A746E901-D716-41C0-9E0F-C60D13567B4A}" type="slidenum">
               <a:rPr lang="en-US" smtClean="0"/>
               <a:pPr/>
-              <a:t>‹Nr.›</a:t>
+              <a:t>‹#›</a:t>
             </a:fld>
             <a:endParaRPr lang="en-US"/>
           </a:p>
@@ -7683,7 +7688,7 @@
     </p:spTree>
     <p:extLst>
       <p:ext uri="{BB962C8B-B14F-4D97-AF65-F5344CB8AC3E}">
-        <p14:creationId xmlns:p14="http://schemas.microsoft.com/office/powerpoint/2010/main" xmlns="" val="375435350"/>
+        <p14:creationId xmlns:p14="http://schemas.microsoft.com/office/powerpoint/2010/main" val="375435350"/>
       </p:ext>
     </p:extLst>
   </p:cSld>
@@ -7751,7 +7756,7 @@
             <a:fld id="{386DBA8E-C001-4E68-8804-59F1C445E801}" type="datetimeFigureOut">
               <a:rPr lang="en-US" smtClean="0"/>
               <a:pPr/>
-              <a:t>7/3/2017</a:t>
+              <a:t>11/9/2017</a:t>
             </a:fld>
             <a:endParaRPr lang="en-US"/>
           </a:p>
@@ -7794,7 +7799,7 @@
             <a:fld id="{A746E901-D716-41C0-9E0F-C60D13567B4A}" type="slidenum">
               <a:rPr lang="en-US" smtClean="0"/>
               <a:pPr/>
-              <a:t>‹Nr.›</a:t>
+              <a:t>‹#›</a:t>
             </a:fld>
             <a:endParaRPr lang="en-US"/>
           </a:p>
@@ -7803,7 +7808,7 @@
     </p:spTree>
     <p:extLst>
       <p:ext uri="{BB962C8B-B14F-4D97-AF65-F5344CB8AC3E}">
-        <p14:creationId xmlns:p14="http://schemas.microsoft.com/office/powerpoint/2010/main" xmlns="" val="1696591400"/>
+        <p14:creationId xmlns:p14="http://schemas.microsoft.com/office/powerpoint/2010/main" val="1696591400"/>
       </p:ext>
     </p:extLst>
   </p:cSld>
@@ -7848,7 +7853,7 @@
             <a:fld id="{386DBA8E-C001-4E68-8804-59F1C445E801}" type="datetimeFigureOut">
               <a:rPr lang="en-US" smtClean="0"/>
               <a:pPr/>
-              <a:t>7/3/2017</a:t>
+              <a:t>11/9/2017</a:t>
             </a:fld>
             <a:endParaRPr lang="en-US"/>
           </a:p>
@@ -7891,7 +7896,7 @@
             <a:fld id="{A746E901-D716-41C0-9E0F-C60D13567B4A}" type="slidenum">
               <a:rPr lang="en-US" smtClean="0"/>
               <a:pPr/>
-              <a:t>‹Nr.›</a:t>
+              <a:t>‹#›</a:t>
             </a:fld>
             <a:endParaRPr lang="en-US"/>
           </a:p>
@@ -7900,7 +7905,7 @@
     </p:spTree>
     <p:extLst>
       <p:ext uri="{BB962C8B-B14F-4D97-AF65-F5344CB8AC3E}">
-        <p14:creationId xmlns:p14="http://schemas.microsoft.com/office/powerpoint/2010/main" xmlns="" val="2675070685"/>
+        <p14:creationId xmlns:p14="http://schemas.microsoft.com/office/powerpoint/2010/main" val="2675070685"/>
       </p:ext>
     </p:extLst>
   </p:cSld>
@@ -8127,7 +8132,7 @@
             <a:fld id="{386DBA8E-C001-4E68-8804-59F1C445E801}" type="datetimeFigureOut">
               <a:rPr lang="en-US" smtClean="0"/>
               <a:pPr/>
-              <a:t>7/3/2017</a:t>
+              <a:t>11/9/2017</a:t>
             </a:fld>
             <a:endParaRPr lang="en-US"/>
           </a:p>
@@ -8170,7 +8175,7 @@
             <a:fld id="{A746E901-D716-41C0-9E0F-C60D13567B4A}" type="slidenum">
               <a:rPr lang="en-US" smtClean="0"/>
               <a:pPr/>
-              <a:t>‹Nr.›</a:t>
+              <a:t>‹#›</a:t>
             </a:fld>
             <a:endParaRPr lang="en-US"/>
           </a:p>
@@ -8179,7 +8184,7 @@
     </p:spTree>
     <p:extLst>
       <p:ext uri="{BB962C8B-B14F-4D97-AF65-F5344CB8AC3E}">
-        <p14:creationId xmlns:p14="http://schemas.microsoft.com/office/powerpoint/2010/main" xmlns="" val="371003852"/>
+        <p14:creationId xmlns:p14="http://schemas.microsoft.com/office/powerpoint/2010/main" val="371003852"/>
       </p:ext>
     </p:extLst>
   </p:cSld>
@@ -8382,7 +8387,7 @@
             <a:fld id="{386DBA8E-C001-4E68-8804-59F1C445E801}" type="datetimeFigureOut">
               <a:rPr lang="en-US" smtClean="0"/>
               <a:pPr/>
-              <a:t>7/3/2017</a:t>
+              <a:t>11/9/2017</a:t>
             </a:fld>
             <a:endParaRPr lang="en-US"/>
           </a:p>
@@ -8425,7 +8430,7 @@
             <a:fld id="{A746E901-D716-41C0-9E0F-C60D13567B4A}" type="slidenum">
               <a:rPr lang="en-US" smtClean="0"/>
               <a:pPr/>
-              <a:t>‹Nr.›</a:t>
+              <a:t>‹#›</a:t>
             </a:fld>
             <a:endParaRPr lang="en-US"/>
           </a:p>
@@ -8434,7 +8439,7 @@
     </p:spTree>
     <p:extLst>
       <p:ext uri="{BB962C8B-B14F-4D97-AF65-F5344CB8AC3E}">
-        <p14:creationId xmlns:p14="http://schemas.microsoft.com/office/powerpoint/2010/main" xmlns="" val="3653087689"/>
+        <p14:creationId xmlns:p14="http://schemas.microsoft.com/office/powerpoint/2010/main" val="3653087689"/>
       </p:ext>
     </p:extLst>
   </p:cSld>
@@ -8597,7 +8602,7 @@
             <a:fld id="{386DBA8E-C001-4E68-8804-59F1C445E801}" type="datetimeFigureOut">
               <a:rPr lang="en-US" smtClean="0"/>
               <a:pPr/>
-              <a:t>7/3/2017</a:t>
+              <a:t>11/9/2017</a:t>
             </a:fld>
             <a:endParaRPr lang="en-US"/>
           </a:p>
@@ -8676,7 +8681,7 @@
             <a:fld id="{A746E901-D716-41C0-9E0F-C60D13567B4A}" type="slidenum">
               <a:rPr lang="en-US" smtClean="0"/>
               <a:pPr/>
-              <a:t>‹Nr.›</a:t>
+              <a:t>‹#›</a:t>
             </a:fld>
             <a:endParaRPr lang="en-US"/>
           </a:p>
@@ -8685,7 +8690,7 @@
     </p:spTree>
     <p:extLst>
       <p:ext uri="{BB962C8B-B14F-4D97-AF65-F5344CB8AC3E}">
-        <p14:creationId xmlns:p14="http://schemas.microsoft.com/office/powerpoint/2010/main" xmlns="" val="2762370001"/>
+        <p14:creationId xmlns:p14="http://schemas.microsoft.com/office/powerpoint/2010/main" val="2762370001"/>
       </p:ext>
     </p:extLst>
   </p:cSld>
@@ -9034,7 +9039,7 @@
           <p:nvPr>
             <p:extLst>
               <p:ext uri="{D42A27DB-BD31-4B8C-83A1-F6EECF244321}">
-                <p14:modId xmlns:p14="http://schemas.microsoft.com/office/powerpoint/2010/main" xmlns="" val="1167990110"/>
+                <p14:modId xmlns:p14="http://schemas.microsoft.com/office/powerpoint/2010/main" val="1167990110"/>
               </p:ext>
             </p:extLst>
           </p:nvPr>
@@ -9061,7 +9066,7 @@
           <a:blip r:embed="rId8" cstate="print">
             <a:extLst>
               <a:ext uri="{28A0092B-C50C-407E-A947-70E740481C1C}">
-                <a14:useLocalDpi xmlns:a14="http://schemas.microsoft.com/office/drawing/2010/main" xmlns="" val="0"/>
+                <a14:useLocalDpi xmlns:a14="http://schemas.microsoft.com/office/drawing/2010/main" val="0"/>
               </a:ext>
             </a:extLst>
           </a:blip>
@@ -9082,14 +9087,14 @@
           </a:ln>
           <a:extLst>
             <a:ext uri="{909E8E84-426E-40DD-AFC4-6F175D3DCCD1}">
-              <a14:hiddenFill xmlns:a14="http://schemas.microsoft.com/office/drawing/2010/main" xmlns="">
+              <a14:hiddenFill xmlns:a14="http://schemas.microsoft.com/office/drawing/2010/main">
                 <a:solidFill>
                   <a:schemeClr val="accent1"/>
                 </a:solidFill>
               </a14:hiddenFill>
             </a:ext>
             <a:ext uri="{91240B29-F687-4F45-9708-019B960494DF}">
-              <a14:hiddenLine xmlns:a14="http://schemas.microsoft.com/office/drawing/2010/main" xmlns="" w="9525">
+              <a14:hiddenLine xmlns:a14="http://schemas.microsoft.com/office/drawing/2010/main" w="9525">
                 <a:solidFill>
                   <a:schemeClr val="tx1"/>
                 </a:solidFill>
@@ -9113,7 +9118,7 @@
           <a:blip r:embed="rId9" cstate="print">
             <a:extLst>
               <a:ext uri="{28A0092B-C50C-407E-A947-70E740481C1C}">
-                <a14:useLocalDpi xmlns:a14="http://schemas.microsoft.com/office/drawing/2010/main" xmlns="" val="0"/>
+                <a14:useLocalDpi xmlns:a14="http://schemas.microsoft.com/office/drawing/2010/main" val="0"/>
               </a:ext>
             </a:extLst>
           </a:blip>
@@ -9122,7 +9127,7 @@
         </p:blipFill>
         <p:spPr bwMode="auto">
           <a:xfrm>
-            <a:off x="1704821" y="883044"/>
+            <a:off x="1723871" y="883044"/>
             <a:ext cx="358270" cy="360000"/>
           </a:xfrm>
           <a:prstGeom prst="rect">
@@ -9131,7 +9136,7 @@
           <a:noFill/>
           <a:extLst>
             <a:ext uri="{909E8E84-426E-40DD-AFC4-6F175D3DCCD1}">
-              <a14:hiddenFill xmlns:a14="http://schemas.microsoft.com/office/drawing/2010/main" xmlns="">
+              <a14:hiddenFill xmlns:a14="http://schemas.microsoft.com/office/drawing/2010/main">
                 <a:solidFill>
                   <a:srgbClr val="FFFFFF"/>
                 </a:solidFill>
@@ -9152,7 +9157,7 @@
           <a:blip r:embed="rId10" cstate="print">
             <a:extLst>
               <a:ext uri="{28A0092B-C50C-407E-A947-70E740481C1C}">
-                <a14:useLocalDpi xmlns:a14="http://schemas.microsoft.com/office/drawing/2010/main" xmlns="" val="0"/>
+                <a14:useLocalDpi xmlns:a14="http://schemas.microsoft.com/office/drawing/2010/main" val="0"/>
               </a:ext>
             </a:extLst>
           </a:blip>
@@ -9172,7 +9177,7 @@
           <a:noFill/>
           <a:extLst>
             <a:ext uri="{909E8E84-426E-40DD-AFC4-6F175D3DCCD1}">
-              <a14:hiddenFill xmlns:a14="http://schemas.microsoft.com/office/drawing/2010/main" xmlns="">
+              <a14:hiddenFill xmlns:a14="http://schemas.microsoft.com/office/drawing/2010/main">
                 <a:solidFill>
                   <a:srgbClr val="FFFFFF"/>
                 </a:solidFill>
@@ -9193,7 +9198,7 @@
           <a:blip r:embed="rId11" cstate="print">
             <a:extLst>
               <a:ext uri="{28A0092B-C50C-407E-A947-70E740481C1C}">
-                <a14:useLocalDpi xmlns:a14="http://schemas.microsoft.com/office/drawing/2010/main" xmlns="" val="0"/>
+                <a14:useLocalDpi xmlns:a14="http://schemas.microsoft.com/office/drawing/2010/main" val="0"/>
               </a:ext>
             </a:extLst>
           </a:blip>
@@ -9213,7 +9218,7 @@
           <a:noFill/>
           <a:extLst>
             <a:ext uri="{909E8E84-426E-40DD-AFC4-6F175D3DCCD1}">
-              <a14:hiddenFill xmlns:a14="http://schemas.microsoft.com/office/drawing/2010/main" xmlns="">
+              <a14:hiddenFill xmlns:a14="http://schemas.microsoft.com/office/drawing/2010/main">
                 <a:solidFill>
                   <a:srgbClr val="FFFFFF"/>
                 </a:solidFill>
@@ -9234,7 +9239,7 @@
           <a:blip r:embed="rId12" cstate="print">
             <a:extLst>
               <a:ext uri="{28A0092B-C50C-407E-A947-70E740481C1C}">
-                <a14:useLocalDpi xmlns:a14="http://schemas.microsoft.com/office/drawing/2010/main" xmlns="" val="0"/>
+                <a14:useLocalDpi xmlns:a14="http://schemas.microsoft.com/office/drawing/2010/main" val="0"/>
               </a:ext>
             </a:extLst>
           </a:blip>
@@ -9252,7 +9257,7 @@
           <a:noFill/>
           <a:extLst>
             <a:ext uri="{909E8E84-426E-40DD-AFC4-6F175D3DCCD1}">
-              <a14:hiddenFill xmlns:a14="http://schemas.microsoft.com/office/drawing/2010/main" xmlns="">
+              <a14:hiddenFill xmlns:a14="http://schemas.microsoft.com/office/drawing/2010/main">
                 <a:solidFill>
                   <a:srgbClr val="FFFFFF"/>
                 </a:solidFill>
@@ -9443,7 +9448,7 @@
         </p:blipFill>
         <p:spPr bwMode="auto">
           <a:xfrm>
-            <a:off x="1764109" y="107776"/>
+            <a:off x="2238485" y="862814"/>
             <a:ext cx="364320" cy="396000"/>
           </a:xfrm>
           <a:prstGeom prst="rect">
@@ -9460,58 +9465,6 @@
       </p:pic>
       <p:pic>
         <p:nvPicPr>
-          <p:cNvPr id="18" name="Picture 20"/>
-          <p:cNvPicPr>
-            <a:picLocks noChangeAspect="1" noChangeArrowheads="1"/>
-          </p:cNvPicPr>
-          <p:nvPr/>
-        </p:nvPicPr>
-        <p:blipFill rotWithShape="1">
-          <a:blip r:embed="rId14" cstate="print">
-            <a:extLst>
-              <a:ext uri="{28A0092B-C50C-407E-A947-70E740481C1C}">
-                <a14:useLocalDpi xmlns:a14="http://schemas.microsoft.com/office/drawing/2010/main" xmlns="" val="0"/>
-              </a:ext>
-            </a:extLst>
-          </a:blip>
-          <a:srcRect/>
-          <a:stretch/>
-        </p:blipFill>
-        <p:spPr bwMode="auto">
-          <a:xfrm>
-            <a:off x="2215207" y="871289"/>
-            <a:ext cx="371933" cy="396000"/>
-          </a:xfrm>
-          <a:prstGeom prst="rect">
-            <a:avLst/>
-          </a:prstGeom>
-          <a:noFill/>
-          <a:ln>
-            <a:noFill/>
-          </a:ln>
-          <a:extLst>
-            <a:ext uri="{909E8E84-426E-40DD-AFC4-6F175D3DCCD1}">
-              <a14:hiddenFill xmlns:a14="http://schemas.microsoft.com/office/drawing/2010/main" xmlns="">
-                <a:solidFill>
-                  <a:schemeClr val="accent1"/>
-                </a:solidFill>
-              </a14:hiddenFill>
-            </a:ext>
-            <a:ext uri="{91240B29-F687-4F45-9708-019B960494DF}">
-              <a14:hiddenLine xmlns:a14="http://schemas.microsoft.com/office/drawing/2010/main" xmlns="" w="9525">
-                <a:solidFill>
-                  <a:schemeClr val="tx1"/>
-                </a:solidFill>
-                <a:miter lim="800000"/>
-                <a:headEnd/>
-                <a:tailEnd/>
-              </a14:hiddenLine>
-            </a:ext>
-          </a:extLst>
-        </p:spPr>
-      </p:pic>
-      <p:pic>
-        <p:nvPicPr>
           <p:cNvPr id="4098" name="Picture 2" descr="Bildergebnis für apple"/>
           <p:cNvPicPr>
             <a:picLocks noChangeAspect="1" noChangeArrowheads="1"/>
@@ -9519,7 +9472,7 @@
           <p:nvPr/>
         </p:nvPicPr>
         <p:blipFill>
-          <a:blip r:embed="rId15" cstate="print"/>
+          <a:blip r:embed="rId14" cstate="print"/>
           <a:srcRect/>
           <a:stretch>
             <a:fillRect/>
@@ -9545,7 +9498,7 @@
           <p:nvPr/>
         </p:nvPicPr>
         <p:blipFill>
-          <a:blip r:embed="rId16" cstate="print"/>
+          <a:blip r:embed="rId15" cstate="print"/>
           <a:srcRect/>
           <a:stretch>
             <a:fillRect/>
@@ -9571,7 +9524,7 @@
           <p:nvPr/>
         </p:nvPicPr>
         <p:blipFill>
-          <a:blip r:embed="rId17" cstate="print"/>
+          <a:blip r:embed="rId16" cstate="print"/>
           <a:srcRect/>
           <a:stretch>
             <a:fillRect/>
@@ -9591,7 +9544,7 @@
     </p:spTree>
     <p:extLst>
       <p:ext uri="{BB962C8B-B14F-4D97-AF65-F5344CB8AC3E}">
-        <p14:creationId xmlns:p14="http://schemas.microsoft.com/office/powerpoint/2010/main" xmlns="" val="1003733918"/>
+        <p14:creationId xmlns:p14="http://schemas.microsoft.com/office/powerpoint/2010/main" val="1003733918"/>
       </p:ext>
     </p:extLst>
   </p:cSld>
@@ -9671,7 +9624,7 @@
           <p:nvPr>
             <p:extLst>
               <p:ext uri="{D42A27DB-BD31-4B8C-83A1-F6EECF244321}">
-                <p14:modId xmlns:p14="http://schemas.microsoft.com/office/powerpoint/2010/main" xmlns="" val="1167990110"/>
+                <p14:modId xmlns:p14="http://schemas.microsoft.com/office/powerpoint/2010/main" val="1167990110"/>
               </p:ext>
             </p:extLst>
           </p:nvPr>
@@ -9698,7 +9651,7 @@
           <a:blip r:embed="rId8" cstate="print">
             <a:extLst>
               <a:ext uri="{28A0092B-C50C-407E-A947-70E740481C1C}">
-                <a14:useLocalDpi xmlns:a14="http://schemas.microsoft.com/office/drawing/2010/main" xmlns="" val="0"/>
+                <a14:useLocalDpi xmlns:a14="http://schemas.microsoft.com/office/drawing/2010/main" val="0"/>
               </a:ext>
             </a:extLst>
           </a:blip>
@@ -9719,14 +9672,14 @@
           </a:ln>
           <a:extLst>
             <a:ext uri="{909E8E84-426E-40DD-AFC4-6F175D3DCCD1}">
-              <a14:hiddenFill xmlns:a14="http://schemas.microsoft.com/office/drawing/2010/main" xmlns="">
+              <a14:hiddenFill xmlns:a14="http://schemas.microsoft.com/office/drawing/2010/main">
                 <a:solidFill>
                   <a:schemeClr val="accent1"/>
                 </a:solidFill>
               </a14:hiddenFill>
             </a:ext>
             <a:ext uri="{91240B29-F687-4F45-9708-019B960494DF}">
-              <a14:hiddenLine xmlns:a14="http://schemas.microsoft.com/office/drawing/2010/main" xmlns="" w="9525">
+              <a14:hiddenLine xmlns:a14="http://schemas.microsoft.com/office/drawing/2010/main" w="9525">
                 <a:solidFill>
                   <a:schemeClr val="tx1"/>
                 </a:solidFill>
@@ -9750,7 +9703,7 @@
           <a:blip r:embed="rId9" cstate="print">
             <a:extLst>
               <a:ext uri="{28A0092B-C50C-407E-A947-70E740481C1C}">
-                <a14:useLocalDpi xmlns:a14="http://schemas.microsoft.com/office/drawing/2010/main" xmlns="" val="0"/>
+                <a14:useLocalDpi xmlns:a14="http://schemas.microsoft.com/office/drawing/2010/main" val="0"/>
               </a:ext>
             </a:extLst>
           </a:blip>
@@ -9771,14 +9724,14 @@
           </a:ln>
           <a:extLst>
             <a:ext uri="{909E8E84-426E-40DD-AFC4-6F175D3DCCD1}">
-              <a14:hiddenFill xmlns:a14="http://schemas.microsoft.com/office/drawing/2010/main" xmlns="">
+              <a14:hiddenFill xmlns:a14="http://schemas.microsoft.com/office/drawing/2010/main">
                 <a:solidFill>
                   <a:schemeClr val="accent1"/>
                 </a:solidFill>
               </a14:hiddenFill>
             </a:ext>
             <a:ext uri="{91240B29-F687-4F45-9708-019B960494DF}">
-              <a14:hiddenLine xmlns:a14="http://schemas.microsoft.com/office/drawing/2010/main" xmlns="" w="9525">
+              <a14:hiddenLine xmlns:a14="http://schemas.microsoft.com/office/drawing/2010/main" w="9525">
                 <a:solidFill>
                   <a:schemeClr val="tx1"/>
                 </a:solidFill>
@@ -9802,7 +9755,7 @@
           <a:blip r:embed="rId10" cstate="print">
             <a:extLst>
               <a:ext uri="{28A0092B-C50C-407E-A947-70E740481C1C}">
-                <a14:useLocalDpi xmlns:a14="http://schemas.microsoft.com/office/drawing/2010/main" xmlns="" val="0"/>
+                <a14:useLocalDpi xmlns:a14="http://schemas.microsoft.com/office/drawing/2010/main" val="0"/>
               </a:ext>
             </a:extLst>
           </a:blip>
@@ -9820,7 +9773,7 @@
           <a:noFill/>
           <a:extLst>
             <a:ext uri="{909E8E84-426E-40DD-AFC4-6F175D3DCCD1}">
-              <a14:hiddenFill xmlns:a14="http://schemas.microsoft.com/office/drawing/2010/main" xmlns="">
+              <a14:hiddenFill xmlns:a14="http://schemas.microsoft.com/office/drawing/2010/main">
                 <a:solidFill>
                   <a:srgbClr val="FFFFFF"/>
                 </a:solidFill>
@@ -9841,7 +9794,7 @@
           <a:blip r:embed="rId11" cstate="print">
             <a:extLst>
               <a:ext uri="{28A0092B-C50C-407E-A947-70E740481C1C}">
-                <a14:useLocalDpi xmlns:a14="http://schemas.microsoft.com/office/drawing/2010/main" xmlns="" val="0"/>
+                <a14:useLocalDpi xmlns:a14="http://schemas.microsoft.com/office/drawing/2010/main" val="0"/>
               </a:ext>
             </a:extLst>
           </a:blip>
@@ -9861,7 +9814,7 @@
           <a:noFill/>
           <a:extLst>
             <a:ext uri="{909E8E84-426E-40DD-AFC4-6F175D3DCCD1}">
-              <a14:hiddenFill xmlns:a14="http://schemas.microsoft.com/office/drawing/2010/main" xmlns="">
+              <a14:hiddenFill xmlns:a14="http://schemas.microsoft.com/office/drawing/2010/main">
                 <a:solidFill>
                   <a:srgbClr val="FFFFFF"/>
                 </a:solidFill>
@@ -9882,7 +9835,7 @@
           <a:blip r:embed="rId12" cstate="print">
             <a:extLst>
               <a:ext uri="{28A0092B-C50C-407E-A947-70E740481C1C}">
-                <a14:useLocalDpi xmlns:a14="http://schemas.microsoft.com/office/drawing/2010/main" xmlns="" val="0"/>
+                <a14:useLocalDpi xmlns:a14="http://schemas.microsoft.com/office/drawing/2010/main" val="0"/>
               </a:ext>
             </a:extLst>
           </a:blip>
@@ -9902,7 +9855,7 @@
           <a:noFill/>
           <a:extLst>
             <a:ext uri="{909E8E84-426E-40DD-AFC4-6F175D3DCCD1}">
-              <a14:hiddenFill xmlns:a14="http://schemas.microsoft.com/office/drawing/2010/main" xmlns="">
+              <a14:hiddenFill xmlns:a14="http://schemas.microsoft.com/office/drawing/2010/main">
                 <a:solidFill>
                   <a:srgbClr val="FFFFFF"/>
                 </a:solidFill>
@@ -9923,7 +9876,7 @@
           <a:blip r:embed="rId13" cstate="print">
             <a:extLst>
               <a:ext uri="{28A0092B-C50C-407E-A947-70E740481C1C}">
-                <a14:useLocalDpi xmlns:a14="http://schemas.microsoft.com/office/drawing/2010/main" xmlns="" val="0"/>
+                <a14:useLocalDpi xmlns:a14="http://schemas.microsoft.com/office/drawing/2010/main" val="0"/>
               </a:ext>
             </a:extLst>
           </a:blip>
@@ -9941,7 +9894,7 @@
           <a:noFill/>
           <a:extLst>
             <a:ext uri="{909E8E84-426E-40DD-AFC4-6F175D3DCCD1}">
-              <a14:hiddenFill xmlns:a14="http://schemas.microsoft.com/office/drawing/2010/main" xmlns="">
+              <a14:hiddenFill xmlns:a14="http://schemas.microsoft.com/office/drawing/2010/main">
                 <a:solidFill>
                   <a:srgbClr val="FFFFFF"/>
                 </a:solidFill>
@@ -10127,7 +10080,7 @@
           <a:blip r:embed="rId14" cstate="print">
             <a:extLst>
               <a:ext uri="{28A0092B-C50C-407E-A947-70E740481C1C}">
-                <a14:useLocalDpi xmlns:a14="http://schemas.microsoft.com/office/drawing/2010/main" xmlns="" val="0"/>
+                <a14:useLocalDpi xmlns:a14="http://schemas.microsoft.com/office/drawing/2010/main" val="0"/>
               </a:ext>
             </a:extLst>
           </a:blip>
@@ -10147,7 +10100,7 @@
           <a:noFill/>
           <a:extLst>
             <a:ext uri="{909E8E84-426E-40DD-AFC4-6F175D3DCCD1}">
-              <a14:hiddenFill xmlns:a14="http://schemas.microsoft.com/office/drawing/2010/main" xmlns="">
+              <a14:hiddenFill xmlns:a14="http://schemas.microsoft.com/office/drawing/2010/main">
                 <a:solidFill>
                   <a:srgbClr val="FFFFFF"/>
                 </a:solidFill>
@@ -10168,7 +10121,7 @@
           <a:blip r:embed="rId15" cstate="print">
             <a:extLst>
               <a:ext uri="{28A0092B-C50C-407E-A947-70E740481C1C}">
-                <a14:useLocalDpi xmlns:a14="http://schemas.microsoft.com/office/drawing/2010/main" xmlns="" val="0"/>
+                <a14:useLocalDpi xmlns:a14="http://schemas.microsoft.com/office/drawing/2010/main" val="0"/>
               </a:ext>
             </a:extLst>
           </a:blip>
@@ -10188,7 +10141,7 @@
           <a:noFill/>
           <a:extLst>
             <a:ext uri="{909E8E84-426E-40DD-AFC4-6F175D3DCCD1}">
-              <a14:hiddenFill xmlns:a14="http://schemas.microsoft.com/office/drawing/2010/main" xmlns="">
+              <a14:hiddenFill xmlns:a14="http://schemas.microsoft.com/office/drawing/2010/main">
                 <a:solidFill>
                   <a:srgbClr val="FFFFFF"/>
                 </a:solidFill>
@@ -10209,7 +10162,7 @@
           <a:blip r:embed="rId16" cstate="print">
             <a:extLst>
               <a:ext uri="{28A0092B-C50C-407E-A947-70E740481C1C}">
-                <a14:useLocalDpi xmlns:a14="http://schemas.microsoft.com/office/drawing/2010/main" xmlns="" val="0"/>
+                <a14:useLocalDpi xmlns:a14="http://schemas.microsoft.com/office/drawing/2010/main" val="0"/>
               </a:ext>
             </a:extLst>
           </a:blip>
@@ -10234,7 +10187,7 @@
           </a:ln>
           <a:extLst>
             <a:ext uri="{909E8E84-426E-40DD-AFC4-6F175D3DCCD1}">
-              <a14:hiddenFill xmlns:a14="http://schemas.microsoft.com/office/drawing/2010/main" xmlns="">
+              <a14:hiddenFill xmlns:a14="http://schemas.microsoft.com/office/drawing/2010/main">
                 <a:solidFill>
                   <a:srgbClr val="FFFFFF"/>
                 </a:solidFill>
@@ -10315,7 +10268,7 @@
     </p:spTree>
     <p:extLst>
       <p:ext uri="{BB962C8B-B14F-4D97-AF65-F5344CB8AC3E}">
-        <p14:creationId xmlns:p14="http://schemas.microsoft.com/office/powerpoint/2010/main" xmlns="" val="1003733918"/>
+        <p14:creationId xmlns:p14="http://schemas.microsoft.com/office/powerpoint/2010/main" val="1003733918"/>
       </p:ext>
     </p:extLst>
   </p:cSld>
